--- a/Experiments/Arduino/01_PRVNI_PROGRAM/ppt/02_piezzo_bzucak.pptx
+++ b/Experiments/Arduino/01_PRVNI_PROGRAM/ppt/02_piezzo_bzucak.pptx
@@ -221,7 +221,7 @@
           <a:p>
             <a:fld id="{4D4CD106-0280-324C-A42B-4E18AB917999}" type="datetimeFigureOut">
               <a:rPr lang="cs-CZ" smtClean="0"/>
-              <a:t>04.03.18</a:t>
+              <a:t>19.04.19</a:t>
             </a:fld>
             <a:endParaRPr lang="cs-CZ"/>
           </a:p>
@@ -7786,7 +7786,7 @@
           <a:graphicData uri="http://schemas.openxmlformats.org/presentationml/2006/ole">
             <mc:AlternateContent xmlns:mc="http://schemas.openxmlformats.org/markup-compatibility/2006">
               <mc:Choice xmlns:v="urn:schemas-microsoft-com:vml" Requires="v">
-                <p:oleObj spid="_x0000_s11333" name="Dokument" r:id="rId5" imgW="5575300" imgH="4178300" progId="Word.Document.12">
+                <p:oleObj spid="_x0000_s11336" name="Dokument" r:id="rId5" imgW="5575300" imgH="4178300" progId="Word.Document.12">
                   <p:embed/>
                 </p:oleObj>
               </mc:Choice>
@@ -8239,7 +8239,7 @@
           <a:graphicData uri="http://schemas.openxmlformats.org/presentationml/2006/ole">
             <mc:AlternateContent xmlns:mc="http://schemas.openxmlformats.org/markup-compatibility/2006">
               <mc:Choice xmlns:v="urn:schemas-microsoft-com:vml" Requires="v">
-                <p:oleObj spid="_x0000_s13323" name="Dokument" r:id="rId5" imgW="5969000" imgH="3022600" progId="Word.Document.12">
+                <p:oleObj spid="_x0000_s13326" name="Dokument" r:id="rId5" imgW="5969000" imgH="3022600" progId="Word.Document.12">
                   <p:embed/>
                 </p:oleObj>
               </mc:Choice>
@@ -9663,7 +9663,7 @@
           <a:graphicData uri="http://schemas.openxmlformats.org/presentationml/2006/ole">
             <mc:AlternateContent xmlns:mc="http://schemas.openxmlformats.org/markup-compatibility/2006">
               <mc:Choice xmlns:v="urn:schemas-microsoft-com:vml" Requires="v">
-                <p:oleObj spid="_x0000_s5203" name="Dokument" r:id="rId5" imgW="5969000" imgH="1727200" progId="Word.Document.12">
+                <p:oleObj spid="_x0000_s5206" name="Dokument" r:id="rId5" imgW="5969000" imgH="1727200" progId="Word.Document.12">
                   <p:embed/>
                 </p:oleObj>
               </mc:Choice>
@@ -10294,7 +10294,7 @@
       </p:sp>
       <p:pic>
         <p:nvPicPr>
-          <p:cNvPr id="13" name="Obrázek 12"/>
+          <p:cNvPr id="11" name="Obrázek 10"/>
           <p:cNvPicPr/>
           <p:nvPr/>
         </p:nvPicPr>
@@ -10306,13 +10306,13 @@
               </a:ext>
             </a:extLst>
           </a:blip>
-          <a:srcRect b="6682"/>
+          <a:srcRect b="6576"/>
           <a:stretch/>
         </p:blipFill>
         <p:spPr bwMode="auto">
           <a:xfrm>
-            <a:off x="2987824" y="1563638"/>
-            <a:ext cx="4052707" cy="2884036"/>
+            <a:off x="2987825" y="1295186"/>
+            <a:ext cx="4824536" cy="3436804"/>
           </a:xfrm>
           <a:prstGeom prst="rect">
             <a:avLst/>
@@ -10387,7 +10387,7 @@
           <a:graphicData uri="http://schemas.openxmlformats.org/presentationml/2006/ole">
             <mc:AlternateContent xmlns:mc="http://schemas.openxmlformats.org/markup-compatibility/2006">
               <mc:Choice xmlns:v="urn:schemas-microsoft-com:vml" Requires="v">
-                <p:oleObj spid="_x0000_s4178" name="Dokument" r:id="rId3" imgW="5575300" imgH="1955800" progId="Word.Document.12">
+                <p:oleObj spid="_x0000_s4181" name="Dokument" r:id="rId3" imgW="5575300" imgH="1955800" progId="Word.Document.12">
                   <p:embed/>
                 </p:oleObj>
               </mc:Choice>
@@ -12838,7 +12838,7 @@
           <a:graphicData uri="http://schemas.openxmlformats.org/presentationml/2006/ole">
             <mc:AlternateContent xmlns:mc="http://schemas.openxmlformats.org/markup-compatibility/2006">
               <mc:Choice xmlns:v="urn:schemas-microsoft-com:vml" Requires="v">
-                <p:oleObj spid="_x0000_s8283" name="Dokument" r:id="rId3" imgW="5969000" imgH="3022600" progId="Word.Document.12">
+                <p:oleObj spid="_x0000_s8288" name="Dokument" r:id="rId3" imgW="5969000" imgH="3022600" progId="Word.Document.12">
                   <p:embed/>
                 </p:oleObj>
               </mc:Choice>
@@ -13385,7 +13385,7 @@
           <a:graphicData uri="http://schemas.openxmlformats.org/presentationml/2006/ole">
             <mc:AlternateContent xmlns:mc="http://schemas.openxmlformats.org/markup-compatibility/2006">
               <mc:Choice xmlns:v="urn:schemas-microsoft-com:vml" Requires="v">
-                <p:oleObj spid="_x0000_s8284" name="Dokument" r:id="rId7" imgW="5575300" imgH="2857500" progId="Word.Document.12">
+                <p:oleObj spid="_x0000_s8289" name="Dokument" r:id="rId7" imgW="5575300" imgH="2857500" progId="Word.Document.12">
                   <p:embed/>
                 </p:oleObj>
               </mc:Choice>
@@ -13681,7 +13681,7 @@
           <a:graphicData uri="http://schemas.openxmlformats.org/presentationml/2006/ole">
             <mc:AlternateContent xmlns:mc="http://schemas.openxmlformats.org/markup-compatibility/2006">
               <mc:Choice xmlns:v="urn:schemas-microsoft-com:vml" Requires="v">
-                <p:oleObj spid="_x0000_s9302" name="Dokument" r:id="rId3" imgW="5969000" imgH="3352800" progId="Word.Document.12">
+                <p:oleObj spid="_x0000_s9307" name="Dokument" r:id="rId3" imgW="5969000" imgH="3352800" progId="Word.Document.12">
                   <p:embed/>
                 </p:oleObj>
               </mc:Choice>
@@ -14186,7 +14186,7 @@
           <a:graphicData uri="http://schemas.openxmlformats.org/presentationml/2006/ole">
             <mc:AlternateContent xmlns:mc="http://schemas.openxmlformats.org/markup-compatibility/2006">
               <mc:Choice xmlns:v="urn:schemas-microsoft-com:vml" Requires="v">
-                <p:oleObj spid="_x0000_s9303" name="Dokument" r:id="rId7" imgW="5575300" imgH="3683000" progId="Word.Document.12">
+                <p:oleObj spid="_x0000_s9308" name="Dokument" r:id="rId7" imgW="5575300" imgH="3683000" progId="Word.Document.12">
                   <p:embed/>
                 </p:oleObj>
               </mc:Choice>
